--- a/reports/Case_Marketing.pptx
+++ b/reports/Case_Marketing.pptx
@@ -15,29 +15,28 @@
     <p:sldId id="274" r:id="rId9"/>
     <p:sldId id="275" r:id="rId10"/>
     <p:sldId id="276" r:id="rId11"/>
-    <p:sldId id="270" r:id="rId12"/>
   </p:sldIdLst>
   <p:sldSz cx="18288000" cy="10287000"/>
   <p:notesSz cx="6858000" cy="9144000"/>
   <p:embeddedFontLst>
     <p:embeddedFont>
       <p:font typeface="Fraunces Bold" panose="020B0604020202020204" charset="0"/>
+      <p:regular r:id="rId12"/>
+    </p:embeddedFont>
+    <p:embeddedFont>
+      <p:font typeface="Fraunces Light" panose="020B0604020202020204" charset="0"/>
       <p:regular r:id="rId13"/>
     </p:embeddedFont>
     <p:embeddedFont>
-      <p:font typeface="Fraunces Light" panose="020B0604020202020204" charset="0"/>
+      <p:font typeface="Fraunces Light Italics" panose="020B0604020202020204" charset="0"/>
       <p:regular r:id="rId14"/>
     </p:embeddedFont>
     <p:embeddedFont>
-      <p:font typeface="Fraunces Light Italics" panose="020B0604020202020204" charset="0"/>
+      <p:font typeface="Montserrat" panose="00000500000000000000" pitchFamily="2" charset="0"/>
       <p:regular r:id="rId15"/>
-    </p:embeddedFont>
-    <p:embeddedFont>
-      <p:font typeface="Montserrat" panose="00000500000000000000" pitchFamily="2" charset="0"/>
-      <p:regular r:id="rId16"/>
-      <p:bold r:id="rId17"/>
-      <p:italic r:id="rId18"/>
-      <p:boldItalic r:id="rId19"/>
+      <p:bold r:id="rId16"/>
+      <p:italic r:id="rId17"/>
+      <p:boldItalic r:id="rId18"/>
     </p:embeddedFont>
   </p:embeddedFontLst>
   <p:defaultTextStyle>
@@ -3573,365 +3572,6 @@
 </p:sld>
 </file>
 
-<file path=ppt/slides/slide11.xml><?xml version="1.0" encoding="utf-8"?>
-<p:sld xmlns:a="http://schemas.openxmlformats.org/drawingml/2006/main" xmlns:r="http://schemas.openxmlformats.org/officeDocument/2006/relationships" xmlns:p="http://schemas.openxmlformats.org/presentationml/2006/main">
-  <p:cSld>
-    <p:spTree>
-      <p:nvGrpSpPr>
-        <p:cNvPr id="1" name=""/>
-        <p:cNvGrpSpPr/>
-        <p:nvPr/>
-      </p:nvGrpSpPr>
-      <p:grpSpPr>
-        <a:xfrm>
-          <a:off x="0" y="0"/>
-          <a:ext cx="0" cy="0"/>
-          <a:chOff x="0" y="0"/>
-          <a:chExt cx="0" cy="0"/>
-        </a:xfrm>
-      </p:grpSpPr>
-      <p:grpSp>
-        <p:nvGrpSpPr>
-          <p:cNvPr id="2" name="Group 2"/>
-          <p:cNvGrpSpPr/>
-          <p:nvPr/>
-        </p:nvGrpSpPr>
-        <p:grpSpPr>
-          <a:xfrm>
-            <a:off x="-783595" y="9652067"/>
-            <a:ext cx="22085340" cy="2889217"/>
-            <a:chOff x="0" y="0"/>
-            <a:chExt cx="5816715" cy="760946"/>
-          </a:xfrm>
-          <a:solidFill>
-            <a:srgbClr val="0F4D19"/>
-          </a:solidFill>
-        </p:grpSpPr>
-        <p:sp>
-          <p:nvSpPr>
-            <p:cNvPr id="3" name="Freeform 3"/>
-            <p:cNvSpPr/>
-            <p:nvPr/>
-          </p:nvSpPr>
-          <p:spPr>
-            <a:xfrm>
-              <a:off x="0" y="0"/>
-              <a:ext cx="5816715" cy="760946"/>
-            </a:xfrm>
-            <a:custGeom>
-              <a:avLst/>
-              <a:gdLst/>
-              <a:ahLst/>
-              <a:cxnLst/>
-              <a:rect l="l" t="t" r="r" b="b"/>
-              <a:pathLst>
-                <a:path w="5816715" h="760946">
-                  <a:moveTo>
-                    <a:pt x="0" y="0"/>
-                  </a:moveTo>
-                  <a:lnTo>
-                    <a:pt x="5816715" y="0"/>
-                  </a:lnTo>
-                  <a:lnTo>
-                    <a:pt x="5816715" y="760946"/>
-                  </a:lnTo>
-                  <a:lnTo>
-                    <a:pt x="0" y="760946"/>
-                  </a:lnTo>
-                  <a:close/>
-                </a:path>
-              </a:pathLst>
-            </a:custGeom>
-            <a:grpFill/>
-          </p:spPr>
-        </p:sp>
-        <p:sp>
-          <p:nvSpPr>
-            <p:cNvPr id="4" name="TextBox 4"/>
-            <p:cNvSpPr txBox="1"/>
-            <p:nvPr/>
-          </p:nvSpPr>
-          <p:spPr>
-            <a:xfrm>
-              <a:off x="0" y="-57150"/>
-              <a:ext cx="5816715" cy="818096"/>
-            </a:xfrm>
-            <a:prstGeom prst="rect">
-              <a:avLst/>
-            </a:prstGeom>
-            <a:grpFill/>
-          </p:spPr>
-          <p:txBody>
-            <a:bodyPr lIns="50800" tIns="50800" rIns="50800" bIns="50800" rtlCol="0" anchor="ctr"/>
-            <a:lstStyle/>
-            <a:p>
-              <a:pPr algn="ctr">
-                <a:lnSpc>
-                  <a:spcPts val="3359"/>
-                </a:lnSpc>
-              </a:pPr>
-              <a:endParaRPr>
-                <a:solidFill>
-                  <a:srgbClr val="0F4D19"/>
-                </a:solidFill>
-              </a:endParaRPr>
-            </a:p>
-          </p:txBody>
-        </p:sp>
-      </p:grpSp>
-      <p:sp>
-        <p:nvSpPr>
-          <p:cNvPr id="5" name="TextBox 5"/>
-          <p:cNvSpPr txBox="1"/>
-          <p:nvPr/>
-        </p:nvSpPr>
-        <p:spPr>
-          <a:xfrm>
-            <a:off x="3662490" y="3543300"/>
-            <a:ext cx="10963021" cy="1357551"/>
-          </a:xfrm>
-          <a:prstGeom prst="rect">
-            <a:avLst/>
-          </a:prstGeom>
-        </p:spPr>
-        <p:txBody>
-          <a:bodyPr lIns="0" tIns="0" rIns="0" bIns="0" rtlCol="0" anchor="t">
-            <a:spAutoFit/>
-          </a:bodyPr>
-          <a:lstStyle/>
-          <a:p>
-            <a:pPr algn="ctr">
-              <a:lnSpc>
-                <a:spcPts val="12000"/>
-              </a:lnSpc>
-            </a:pPr>
-            <a:r>
-              <a:rPr lang="en-US" sz="6399" spc="-255" dirty="0" err="1">
-                <a:solidFill>
-                  <a:srgbClr val="6FC27C"/>
-                </a:solidFill>
-                <a:latin typeface="Fraunces Bold"/>
-              </a:rPr>
-              <a:t>Obrigado</a:t>
-            </a:r>
-            <a:r>
-              <a:rPr lang="en-US" sz="6399" spc="-255" dirty="0">
-                <a:solidFill>
-                  <a:srgbClr val="6FC27C"/>
-                </a:solidFill>
-                <a:latin typeface="Fraunces Bold"/>
-              </a:rPr>
-              <a:t>!</a:t>
-            </a:r>
-          </a:p>
-        </p:txBody>
-      </p:sp>
-      <p:sp>
-        <p:nvSpPr>
-          <p:cNvPr id="6" name="TextBox 6"/>
-          <p:cNvSpPr txBox="1"/>
-          <p:nvPr/>
-        </p:nvSpPr>
-        <p:spPr>
-          <a:xfrm>
-            <a:off x="3920856" y="5532113"/>
-            <a:ext cx="10963021" cy="1889760"/>
-          </a:xfrm>
-          <a:prstGeom prst="rect">
-            <a:avLst/>
-          </a:prstGeom>
-        </p:spPr>
-        <p:txBody>
-          <a:bodyPr lIns="0" tIns="0" rIns="0" bIns="0" rtlCol="0" anchor="t">
-            <a:spAutoFit/>
-          </a:bodyPr>
-          <a:lstStyle/>
-          <a:p>
-            <a:pPr algn="ctr">
-              <a:lnSpc>
-                <a:spcPts val="5040"/>
-              </a:lnSpc>
-            </a:pPr>
-            <a:r>
-              <a:rPr lang="en-US" sz="3200" spc="-255" dirty="0" err="1">
-                <a:solidFill>
-                  <a:srgbClr val="6FC27C"/>
-                </a:solidFill>
-                <a:latin typeface="Fraunces Light" panose="020B0604020202020204" charset="0"/>
-              </a:rPr>
-              <a:t>Quer</a:t>
-            </a:r>
-            <a:r>
-              <a:rPr lang="en-US" sz="3200" spc="-255" dirty="0">
-                <a:solidFill>
-                  <a:srgbClr val="6FC27C"/>
-                </a:solidFill>
-                <a:latin typeface="Fraunces Light" panose="020B0604020202020204" charset="0"/>
-              </a:rPr>
-              <a:t> resolver </a:t>
-            </a:r>
-            <a:r>
-              <a:rPr lang="en-US" sz="3200" spc="-255" dirty="0" err="1">
-                <a:solidFill>
-                  <a:srgbClr val="6FC27C"/>
-                </a:solidFill>
-                <a:latin typeface="Fraunces Light" panose="020B0604020202020204" charset="0"/>
-              </a:rPr>
-              <a:t>esse</a:t>
-            </a:r>
-            <a:r>
-              <a:rPr lang="en-US" sz="3200" spc="-255" dirty="0">
-                <a:solidFill>
-                  <a:srgbClr val="6FC27C"/>
-                </a:solidFill>
-                <a:latin typeface="Fraunces Light" panose="020B0604020202020204" charset="0"/>
-              </a:rPr>
-              <a:t> case? Ele </a:t>
-            </a:r>
-            <a:r>
-              <a:rPr lang="en-US" sz="3200" spc="-255" dirty="0" err="1">
-                <a:solidFill>
-                  <a:srgbClr val="6FC27C"/>
-                </a:solidFill>
-                <a:latin typeface="Fraunces Light" panose="020B0604020202020204" charset="0"/>
-              </a:rPr>
-              <a:t>está</a:t>
-            </a:r>
-            <a:r>
-              <a:rPr lang="en-US" sz="3200" spc="-255" dirty="0">
-                <a:solidFill>
-                  <a:srgbClr val="6FC27C"/>
-                </a:solidFill>
-                <a:latin typeface="Fraunces Light" panose="020B0604020202020204" charset="0"/>
-              </a:rPr>
-              <a:t> </a:t>
-            </a:r>
-            <a:r>
-              <a:rPr lang="en-US" sz="3200" spc="-255" dirty="0" err="1">
-                <a:solidFill>
-                  <a:srgbClr val="6FC27C"/>
-                </a:solidFill>
-                <a:latin typeface="Fraunces Light" panose="020B0604020202020204" charset="0"/>
-              </a:rPr>
-              <a:t>disponível</a:t>
-            </a:r>
-            <a:r>
-              <a:rPr lang="en-US" sz="3200" spc="-255" dirty="0">
-                <a:solidFill>
-                  <a:srgbClr val="6FC27C"/>
-                </a:solidFill>
-                <a:latin typeface="Fraunces Light" panose="020B0604020202020204" charset="0"/>
-              </a:rPr>
-              <a:t> no P.E.D (</a:t>
-            </a:r>
-            <a:r>
-              <a:rPr lang="en-US" sz="3200" spc="-255" dirty="0" err="1">
-                <a:solidFill>
-                  <a:srgbClr val="6FC27C"/>
-                </a:solidFill>
-                <a:latin typeface="Fraunces Light" panose="020B0604020202020204" charset="0"/>
-              </a:rPr>
-              <a:t>Preparatório</a:t>
-            </a:r>
-            <a:r>
-              <a:rPr lang="en-US" sz="3200" spc="-255" dirty="0">
-                <a:solidFill>
-                  <a:srgbClr val="6FC27C"/>
-                </a:solidFill>
-                <a:latin typeface="Fraunces Light" panose="020B0604020202020204" charset="0"/>
-              </a:rPr>
-              <a:t> para </a:t>
-            </a:r>
-            <a:r>
-              <a:rPr lang="en-US" sz="3200" spc="-255" dirty="0" err="1">
-                <a:solidFill>
-                  <a:srgbClr val="6FC27C"/>
-                </a:solidFill>
-                <a:latin typeface="Fraunces Light" panose="020B0604020202020204" charset="0"/>
-              </a:rPr>
-              <a:t>Entrevistas</a:t>
-            </a:r>
-            <a:r>
-              <a:rPr lang="en-US" sz="3200" spc="-255" dirty="0">
-                <a:solidFill>
-                  <a:srgbClr val="6FC27C"/>
-                </a:solidFill>
-                <a:latin typeface="Fraunces Light" panose="020B0604020202020204" charset="0"/>
-              </a:rPr>
-              <a:t> </a:t>
-            </a:r>
-            <a:r>
-              <a:rPr lang="en-US" sz="3200" spc="-255" dirty="0" err="1">
-                <a:solidFill>
-                  <a:srgbClr val="6FC27C"/>
-                </a:solidFill>
-                <a:latin typeface="Fraunces Light" panose="020B0604020202020204" charset="0"/>
-              </a:rPr>
-              <a:t>em</a:t>
-            </a:r>
-            <a:r>
-              <a:rPr lang="en-US" sz="3200" spc="-255" dirty="0">
-                <a:solidFill>
-                  <a:srgbClr val="6FC27C"/>
-                </a:solidFill>
-                <a:latin typeface="Fraunces Light" panose="020B0604020202020204" charset="0"/>
-              </a:rPr>
-              <a:t> Dados). </a:t>
-            </a:r>
-          </a:p>
-          <a:p>
-            <a:pPr algn="ctr">
-              <a:lnSpc>
-                <a:spcPts val="5040"/>
-              </a:lnSpc>
-            </a:pPr>
-            <a:r>
-              <a:rPr lang="en-US" sz="3200" spc="-255" dirty="0" err="1">
-                <a:solidFill>
-                  <a:srgbClr val="6FC27C"/>
-                </a:solidFill>
-                <a:latin typeface="Fraunces Light" panose="020B0604020202020204" charset="0"/>
-              </a:rPr>
-              <a:t>Acesse</a:t>
-            </a:r>
-            <a:r>
-              <a:rPr lang="en-US" sz="3200" spc="-255" dirty="0">
-                <a:solidFill>
-                  <a:srgbClr val="6FC27C"/>
-                </a:solidFill>
-                <a:latin typeface="Fraunces Light" panose="020B0604020202020204" charset="0"/>
-              </a:rPr>
-              <a:t> </a:t>
-            </a:r>
-            <a:r>
-              <a:rPr lang="en-US" sz="3200" spc="-255" dirty="0" err="1">
-                <a:solidFill>
-                  <a:srgbClr val="6FC27C"/>
-                </a:solidFill>
-                <a:latin typeface="Fraunces Light" panose="020B0604020202020204" charset="0"/>
-              </a:rPr>
-              <a:t>em</a:t>
-            </a:r>
-            <a:r>
-              <a:rPr lang="en-US" sz="3200" spc="-255" dirty="0">
-                <a:solidFill>
-                  <a:srgbClr val="6FC27C"/>
-                </a:solidFill>
-                <a:latin typeface="Fraunces Light" panose="020B0604020202020204" charset="0"/>
-              </a:rPr>
-              <a:t>: www.renatabiaggi.com/ped</a:t>
-            </a:r>
-          </a:p>
-        </p:txBody>
-      </p:sp>
-    </p:spTree>
-  </p:cSld>
-  <p:clrMapOvr>
-    <a:masterClrMapping/>
-  </p:clrMapOvr>
-</p:sld>
-</file>
-
 <file path=ppt/slides/slide2.xml><?xml version="1.0" encoding="utf-8"?>
 <p:sld xmlns:a="http://schemas.openxmlformats.org/drawingml/2006/main" xmlns:r="http://schemas.openxmlformats.org/officeDocument/2006/relationships" xmlns:p="http://schemas.openxmlformats.org/presentationml/2006/main">
   <p:cSld>
@@ -5165,8 +4805,8 @@
         </p:blipFill>
         <p:spPr>
           <a:xfrm>
-            <a:off x="12623988" y="716090"/>
-            <a:ext cx="5886830" cy="2223173"/>
+            <a:off x="12623988" y="716091"/>
+            <a:ext cx="5221564" cy="1971934"/>
           </a:xfrm>
           <a:prstGeom prst="rect">
             <a:avLst/>
@@ -5226,7 +4866,7 @@
         <p:spPr>
           <a:xfrm>
             <a:off x="12780081" y="7844740"/>
-            <a:ext cx="5730737" cy="1150720"/>
+            <a:ext cx="5221565" cy="1150720"/>
           </a:xfrm>
           <a:prstGeom prst="rect">
             <a:avLst/>
@@ -5430,8 +5070,8 @@
         </p:nvCxnSpPr>
         <p:spPr>
           <a:xfrm rot="10800000" flipV="1">
-            <a:off x="16364022" y="5095116"/>
-            <a:ext cx="1091076" cy="734981"/>
+            <a:off x="16364023" y="5233612"/>
+            <a:ext cx="692635" cy="596484"/>
           </a:xfrm>
           <a:prstGeom prst="curvedConnector3">
             <a:avLst>
@@ -5474,8 +5114,8 @@
         </p:nvSpPr>
         <p:spPr>
           <a:xfrm>
-            <a:off x="17404697" y="4392464"/>
-            <a:ext cx="1569103" cy="1077218"/>
+            <a:off x="16933022" y="4186343"/>
+            <a:ext cx="1269481" cy="1569660"/>
           </a:xfrm>
           <a:prstGeom prst="rect">
             <a:avLst/>
